--- a/Manual.pptx
+++ b/Manual.pptx
@@ -759,18 +759,25 @@
               <a:t> </a:t>
             </a:r>
             <a:r>
-              <a:rPr lang="ko-KR" altLang="en-US"/>
+              <a:rPr lang="ko-KR" altLang="en-US" dirty="0"/>
               <a:t>또는 </a:t>
             </a:r>
             <a:r>
-              <a:rPr lang="en-US" altLang="ko-KR"/>
-              <a:t>pycharm </a:t>
-            </a:r>
-            <a:r>
-              <a:rPr lang="ko-KR" altLang="en-US"/>
+              <a:rPr lang="en-US" altLang="ko-KR" dirty="0" err="1"/>
+              <a:t>pycharm</a:t>
+            </a:r>
+            <a:r>
+              <a:rPr lang="en-US" altLang="ko-KR" dirty="0"/>
+              <a:t> </a:t>
+            </a:r>
+            <a:r>
+              <a:rPr lang="ko-KR" altLang="en-US" dirty="0"/>
               <a:t>설치</a:t>
             </a:r>
-            <a:endParaRPr lang="en-US" altLang="ko-KR" dirty="0"/>
+            <a:r>
+              <a:rPr lang="en-US" altLang="ko-KR" dirty="0"/>
+              <a:t>`</a:t>
+            </a:r>
           </a:p>
         </p:txBody>
       </p:sp>
@@ -2040,7 +2047,7 @@
         <p:spPr>
           <a:xfrm>
             <a:off x="30323" y="45522"/>
-            <a:ext cx="3656129" cy="369332"/>
+            <a:ext cx="4250331" cy="369332"/>
           </a:xfrm>
           <a:prstGeom prst="rect">
             <a:avLst/>
@@ -2058,7 +2065,7 @@
                 <a:latin typeface="나눔스퀘어 ExtraBold" panose="020B0600000101010101" pitchFamily="50" charset="-127"/>
                 <a:ea typeface="나눔스퀘어 ExtraBold" panose="020B0600000101010101" pitchFamily="50" charset="-127"/>
               </a:rPr>
-              <a:t>[MECH639] Advanced Robotics</a:t>
+              <a:t>[MECH439] Introduction to Robotics</a:t>
             </a:r>
             <a:endParaRPr lang="ko-KR" altLang="en-US" b="1" dirty="0">
               <a:latin typeface="나눔스퀘어 ExtraBold" panose="020B0600000101010101" pitchFamily="50" charset="-127"/>
@@ -5252,6 +5259,20 @@
               </a:rPr>
               <a:t>Yongseok</a:t>
             </a:r>
+            <a:r>
+              <a:rPr lang="en-US" altLang="ko-KR" sz="1600" dirty="0">
+                <a:latin typeface="나눔스퀘어" panose="020B0600000101010101" pitchFamily="50" charset="-127"/>
+                <a:ea typeface="나눔스퀘어" panose="020B0600000101010101" pitchFamily="50" charset="-127"/>
+              </a:rPr>
+              <a:t>, Jung </a:t>
+            </a:r>
+            <a:r>
+              <a:rPr lang="en-US" altLang="ko-KR" sz="1600" dirty="0" err="1">
+                <a:latin typeface="나눔스퀘어" panose="020B0600000101010101" pitchFamily="50" charset="-127"/>
+                <a:ea typeface="나눔스퀘어" panose="020B0600000101010101" pitchFamily="50" charset="-127"/>
+              </a:rPr>
+              <a:t>Hyunseo</a:t>
+            </a:r>
             <a:endParaRPr lang="en-US" altLang="ko-KR" sz="1600" dirty="0">
               <a:latin typeface="나눔스퀘어" panose="020B0600000101010101" pitchFamily="50" charset="-127"/>
               <a:ea typeface="나눔스퀘어" panose="020B0600000101010101" pitchFamily="50" charset="-127"/>
@@ -5271,6 +5292,17 @@
               </a:rPr>
               <a:t>dldydtjr2000@postech.ac.kr</a:t>
             </a:r>
+            <a:endParaRPr lang="en-US" altLang="ko-KR" sz="1600" dirty="0">
+              <a:latin typeface="나눔스퀘어" panose="020B0600000101010101" pitchFamily="50" charset="-127"/>
+              <a:ea typeface="나눔스퀘어" panose="020B0600000101010101" pitchFamily="50" charset="-127"/>
+            </a:endParaRPr>
+          </a:p>
+          <a:p>
+            <a:pPr algn="r">
+              <a:lnSpc>
+                <a:spcPct val="100000"/>
+              </a:lnSpc>
+            </a:pPr>
             <a:endParaRPr lang="en-US" altLang="ko-KR" sz="1600" dirty="0">
               <a:latin typeface="나눔스퀘어" panose="020B0600000101010101" pitchFamily="50" charset="-127"/>
               <a:ea typeface="나눔스퀘어" panose="020B0600000101010101" pitchFamily="50" charset="-127"/>
